--- a/20220331 EAD Update.pptx
+++ b/20220331 EAD Update.pptx
@@ -3346,7 +3346,7 @@
           <a:p>
             <a:r>
               <a:rPr lang="en-US" dirty="0"/>
-              <a:t>Erika update 03/31</a:t>
+              <a:t>NLH update 03/31</a:t>
             </a:r>
           </a:p>
         </p:txBody>

--- a/20220331 EAD Update.pptx
+++ b/20220331 EAD Update.pptx
@@ -8,6 +8,7 @@
     <p:sldId id="256" r:id="rId2"/>
     <p:sldId id="257" r:id="rId3"/>
     <p:sldId id="258" r:id="rId4"/>
+    <p:sldId id="259" r:id="rId5"/>
   </p:sldIdLst>
   <p:sldSz cx="12192000" cy="6858000"/>
   <p:notesSz cx="6858000" cy="9144000"/>
@@ -3436,7 +3437,7 @@
           <a:p>
             <a:r>
               <a:rPr lang="en-US" dirty="0"/>
-              <a:t>Original approach</a:t>
+              <a:t>Original approach—Pure NFL/NFH</a:t>
             </a:r>
           </a:p>
         </p:txBody>
@@ -4176,10 +4177,10 @@
       </p:grpSpPr>
       <p:sp>
         <p:nvSpPr>
-          <p:cNvPr id="2" name="Title 1">
-            <a:extLst>
-              <a:ext uri="{FF2B5EF4-FFF2-40B4-BE49-F238E27FC236}">
-                <a16:creationId xmlns:a16="http://schemas.microsoft.com/office/drawing/2014/main" id="{CF8244C4-A0A5-0589-7DF5-6452CF60A346}"/>
+          <p:cNvPr id="3" name="Title 1">
+            <a:extLst>
+              <a:ext uri="{FF2B5EF4-FFF2-40B4-BE49-F238E27FC236}">
+                <a16:creationId xmlns:a16="http://schemas.microsoft.com/office/drawing/2014/main" id="{D21419CD-FE78-82D1-E555-B40688D39463}"/>
               </a:ext>
             </a:extLst>
           </p:cNvPr>
@@ -4190,12 +4191,22 @@
             <p:ph type="title"/>
           </p:nvPr>
         </p:nvSpPr>
-        <p:spPr/>
-        <p:txBody>
-          <a:bodyPr/>
-          <a:lstStyle/>
-          <a:p>
-            <a:endParaRPr lang="en-US"/>
+        <p:spPr>
+          <a:xfrm>
+            <a:off x="392638" y="302621"/>
+            <a:ext cx="10515600" cy="694267"/>
+          </a:xfrm>
+        </p:spPr>
+        <p:txBody>
+          <a:bodyPr>
+            <a:normAutofit fontScale="90000"/>
+          </a:bodyPr>
+          <a:lstStyle/>
+          <a:p>
+            <a:r>
+              <a:rPr lang="en-US" dirty="0"/>
+              <a:t>Original approach—Blended NFL/NFH</a:t>
+            </a:r>
           </a:p>
         </p:txBody>
       </p:sp>
@@ -4203,6 +4214,329 @@
     <p:extLst>
       <p:ext uri="{BB962C8B-B14F-4D97-AF65-F5344CB8AC3E}">
         <p14:creationId xmlns:p14="http://schemas.microsoft.com/office/powerpoint/2010/main" val="928462438"/>
+      </p:ext>
+    </p:extLst>
+  </p:cSld>
+  <p:clrMapOvr>
+    <a:masterClrMapping/>
+  </p:clrMapOvr>
+</p:sld>
+</file>
+
+<file path=ppt/slides/slide4.xml><?xml version="1.0" encoding="utf-8"?>
+<p:sld xmlns:a="http://schemas.openxmlformats.org/drawingml/2006/main" xmlns:r="http://schemas.openxmlformats.org/officeDocument/2006/relationships" xmlns:p="http://schemas.openxmlformats.org/presentationml/2006/main">
+  <p:cSld>
+    <p:spTree>
+      <p:nvGrpSpPr>
+        <p:cNvPr id="1" name=""/>
+        <p:cNvGrpSpPr/>
+        <p:nvPr/>
+      </p:nvGrpSpPr>
+      <p:grpSpPr>
+        <a:xfrm>
+          <a:off x="0" y="0"/>
+          <a:ext cx="0" cy="0"/>
+          <a:chOff x="0" y="0"/>
+          <a:chExt cx="0" cy="0"/>
+        </a:xfrm>
+      </p:grpSpPr>
+      <p:sp>
+        <p:nvSpPr>
+          <p:cNvPr id="3" name="Title 1">
+            <a:extLst>
+              <a:ext uri="{FF2B5EF4-FFF2-40B4-BE49-F238E27FC236}">
+                <a16:creationId xmlns:a16="http://schemas.microsoft.com/office/drawing/2014/main" id="{D21419CD-FE78-82D1-E555-B40688D39463}"/>
+              </a:ext>
+            </a:extLst>
+          </p:cNvPr>
+          <p:cNvSpPr>
+            <a:spLocks noGrp="1"/>
+          </p:cNvSpPr>
+          <p:nvPr>
+            <p:ph type="title"/>
+          </p:nvPr>
+        </p:nvSpPr>
+        <p:spPr>
+          <a:xfrm>
+            <a:off x="392638" y="302621"/>
+            <a:ext cx="10515600" cy="694267"/>
+          </a:xfrm>
+        </p:spPr>
+        <p:txBody>
+          <a:bodyPr>
+            <a:normAutofit fontScale="90000"/>
+          </a:bodyPr>
+          <a:lstStyle/>
+          <a:p>
+            <a:r>
+              <a:rPr lang="en-US" dirty="0"/>
+              <a:t>Phosphorylated NFH Progress</a:t>
+            </a:r>
+          </a:p>
+        </p:txBody>
+      </p:sp>
+      <p:grpSp>
+        <p:nvGrpSpPr>
+          <p:cNvPr id="10" name="Group 9">
+            <a:extLst>
+              <a:ext uri="{FF2B5EF4-FFF2-40B4-BE49-F238E27FC236}">
+                <a16:creationId xmlns:a16="http://schemas.microsoft.com/office/drawing/2014/main" id="{17328DC5-8A3B-F54D-3C3A-8939DE84E306}"/>
+              </a:ext>
+            </a:extLst>
+          </p:cNvPr>
+          <p:cNvGrpSpPr/>
+          <p:nvPr/>
+        </p:nvGrpSpPr>
+        <p:grpSpPr>
+          <a:xfrm>
+            <a:off x="1216439" y="1864099"/>
+            <a:ext cx="4509787" cy="3271136"/>
+            <a:chOff x="1814513" y="1609195"/>
+            <a:chExt cx="5017787" cy="3639609"/>
+          </a:xfrm>
+        </p:grpSpPr>
+        <p:pic>
+          <p:nvPicPr>
+            <p:cNvPr id="2050" name="Picture 2">
+              <a:extLst>
+                <a:ext uri="{FF2B5EF4-FFF2-40B4-BE49-F238E27FC236}">
+                  <a16:creationId xmlns:a16="http://schemas.microsoft.com/office/drawing/2014/main" id="{2ACE7292-1EA5-F5E5-495B-8D3C774A19A4}"/>
+                </a:ext>
+              </a:extLst>
+            </p:cNvPr>
+            <p:cNvPicPr>
+              <a:picLocks noChangeAspect="1" noChangeArrowheads="1"/>
+            </p:cNvPicPr>
+            <p:nvPr/>
+          </p:nvPicPr>
+          <p:blipFill>
+            <a:blip r:embed="rId2">
+              <a:extLst>
+                <a:ext uri="{28A0092B-C50C-407E-A947-70E740481C1C}">
+                  <a14:useLocalDpi xmlns:a14="http://schemas.microsoft.com/office/drawing/2010/main" val="0"/>
+                </a:ext>
+              </a:extLst>
+            </a:blip>
+            <a:srcRect/>
+            <a:stretch>
+              <a:fillRect/>
+            </a:stretch>
+          </p:blipFill>
+          <p:spPr bwMode="auto">
+            <a:xfrm>
+              <a:off x="1814513" y="1609195"/>
+              <a:ext cx="5017787" cy="3639609"/>
+            </a:xfrm>
+            <a:prstGeom prst="rect">
+              <a:avLst/>
+            </a:prstGeom>
+            <a:noFill/>
+            <a:extLst>
+              <a:ext uri="{909E8E84-426E-40DD-AFC4-6F175D3DCCD1}">
+                <a14:hiddenFill xmlns:a14="http://schemas.microsoft.com/office/drawing/2010/main">
+                  <a:solidFill>
+                    <a:srgbClr val="FFFFFF"/>
+                  </a:solidFill>
+                </a14:hiddenFill>
+              </a:ext>
+            </a:extLst>
+          </p:spPr>
+        </p:pic>
+        <p:cxnSp>
+          <p:nvCxnSpPr>
+            <p:cNvPr id="4" name="Straight Arrow Connector 3">
+              <a:extLst>
+                <a:ext uri="{FF2B5EF4-FFF2-40B4-BE49-F238E27FC236}">
+                  <a16:creationId xmlns:a16="http://schemas.microsoft.com/office/drawing/2014/main" id="{E71735E2-1106-E89E-226D-4722BBCE7AD4}"/>
+                </a:ext>
+              </a:extLst>
+            </p:cNvPr>
+            <p:cNvCxnSpPr>
+              <a:cxnSpLocks/>
+            </p:cNvCxnSpPr>
+            <p:nvPr/>
+          </p:nvCxnSpPr>
+          <p:spPr>
+            <a:xfrm>
+              <a:off x="3412067" y="2345267"/>
+              <a:ext cx="931333" cy="533400"/>
+            </a:xfrm>
+            <a:prstGeom prst="straightConnector1">
+              <a:avLst/>
+            </a:prstGeom>
+            <a:ln w="28575">
+              <a:solidFill>
+                <a:schemeClr val="tx1"/>
+              </a:solidFill>
+              <a:tailEnd type="triangle"/>
+            </a:ln>
+          </p:spPr>
+          <p:style>
+            <a:lnRef idx="1">
+              <a:schemeClr val="accent1"/>
+            </a:lnRef>
+            <a:fillRef idx="0">
+              <a:schemeClr val="accent1"/>
+            </a:fillRef>
+            <a:effectRef idx="0">
+              <a:schemeClr val="accent1"/>
+            </a:effectRef>
+            <a:fontRef idx="minor">
+              <a:schemeClr val="tx1"/>
+            </a:fontRef>
+          </p:style>
+        </p:cxnSp>
+      </p:grpSp>
+      <p:sp>
+        <p:nvSpPr>
+          <p:cNvPr id="9" name="TextBox 8">
+            <a:extLst>
+              <a:ext uri="{FF2B5EF4-FFF2-40B4-BE49-F238E27FC236}">
+                <a16:creationId xmlns:a16="http://schemas.microsoft.com/office/drawing/2014/main" id="{9C0CD2AA-3ACB-61A6-3AB2-B619617CF956}"/>
+              </a:ext>
+            </a:extLst>
+          </p:cNvPr>
+          <p:cNvSpPr txBox="1"/>
+          <p:nvPr/>
+        </p:nvSpPr>
+        <p:spPr>
+          <a:xfrm>
+            <a:off x="6096000" y="1744133"/>
+            <a:ext cx="5621866" cy="923330"/>
+          </a:xfrm>
+          <a:prstGeom prst="rect">
+            <a:avLst/>
+          </a:prstGeom>
+          <a:noFill/>
+        </p:spPr>
+        <p:txBody>
+          <a:bodyPr wrap="square" rtlCol="0">
+            <a:spAutoFit/>
+          </a:bodyPr>
+          <a:lstStyle/>
+          <a:p>
+            <a:pPr marL="285750" indent="-285750">
+              <a:buFont typeface="Arial" panose="020B0604020202020204" pitchFamily="34" charset="0"/>
+              <a:buChar char="•"/>
+            </a:pPr>
+            <a:r>
+              <a:rPr lang="en-US" dirty="0"/>
+              <a:t>Currently running one more to get a close fit; if not, the current best one should be close enough</a:t>
+            </a:r>
+          </a:p>
+          <a:p>
+            <a:pPr marL="285750" indent="-285750">
+              <a:buFont typeface="Arial" panose="020B0604020202020204" pitchFamily="34" charset="0"/>
+              <a:buChar char="•"/>
+            </a:pPr>
+            <a:endParaRPr lang="en-US" dirty="0"/>
+          </a:p>
+        </p:txBody>
+      </p:sp>
+      <p:sp>
+        <p:nvSpPr>
+          <p:cNvPr id="11" name="TextBox 10">
+            <a:extLst>
+              <a:ext uri="{FF2B5EF4-FFF2-40B4-BE49-F238E27FC236}">
+                <a16:creationId xmlns:a16="http://schemas.microsoft.com/office/drawing/2014/main" id="{58D3EEA5-8CAE-34CC-F0F6-F8E2ED82B9AB}"/>
+              </a:ext>
+            </a:extLst>
+          </p:cNvPr>
+          <p:cNvSpPr txBox="1"/>
+          <p:nvPr/>
+        </p:nvSpPr>
+        <p:spPr>
+          <a:xfrm>
+            <a:off x="660400" y="5305597"/>
+            <a:ext cx="5621866" cy="1169551"/>
+          </a:xfrm>
+          <a:prstGeom prst="rect">
+            <a:avLst/>
+          </a:prstGeom>
+          <a:noFill/>
+        </p:spPr>
+        <p:txBody>
+          <a:bodyPr wrap="square" rtlCol="0">
+            <a:spAutoFit/>
+          </a:bodyPr>
+          <a:lstStyle/>
+          <a:p>
+            <a:pPr marL="285750" indent="-285750">
+              <a:buFont typeface="Arial" panose="020B0604020202020204" pitchFamily="34" charset="0"/>
+              <a:buChar char="•"/>
+            </a:pPr>
+            <a:r>
+              <a:rPr lang="en-US" sz="1400" dirty="0"/>
+              <a:t>Quick note: the points that go to zero just didn’t converge. The point at 6 nm takes a really long time to converge, so I will probably proceed with only calculating from 1 to 6 nm. </a:t>
+            </a:r>
+          </a:p>
+          <a:p>
+            <a:pPr marL="285750" indent="-285750">
+              <a:buFont typeface="Arial" panose="020B0604020202020204" pitchFamily="34" charset="0"/>
+              <a:buChar char="•"/>
+            </a:pPr>
+            <a:endParaRPr lang="en-US" sz="1400" dirty="0"/>
+          </a:p>
+          <a:p>
+            <a:pPr marL="285750" indent="-285750">
+              <a:buFont typeface="Arial" panose="020B0604020202020204" pitchFamily="34" charset="0"/>
+              <a:buChar char="•"/>
+            </a:pPr>
+            <a:r>
+              <a:rPr lang="en-US" sz="1400" dirty="0"/>
+              <a:t>In the future, if needed, I can go to 8 (1.6 mM)</a:t>
+            </a:r>
+          </a:p>
+        </p:txBody>
+      </p:sp>
+      <p:cxnSp>
+        <p:nvCxnSpPr>
+          <p:cNvPr id="12" name="Straight Arrow Connector 11">
+            <a:extLst>
+              <a:ext uri="{FF2B5EF4-FFF2-40B4-BE49-F238E27FC236}">
+                <a16:creationId xmlns:a16="http://schemas.microsoft.com/office/drawing/2014/main" id="{9EF63E2E-326A-51D6-D47D-169A9FD876FC}"/>
+              </a:ext>
+            </a:extLst>
+          </p:cNvPr>
+          <p:cNvCxnSpPr>
+            <a:cxnSpLocks/>
+          </p:cNvCxnSpPr>
+          <p:nvPr/>
+        </p:nvCxnSpPr>
+        <p:spPr>
+          <a:xfrm flipV="1">
+            <a:off x="2533723" y="4563533"/>
+            <a:ext cx="955579" cy="753855"/>
+          </a:xfrm>
+          <a:prstGeom prst="straightConnector1">
+            <a:avLst/>
+          </a:prstGeom>
+          <a:ln w="28575">
+            <a:solidFill>
+              <a:schemeClr val="tx1"/>
+            </a:solidFill>
+            <a:tailEnd type="triangle"/>
+          </a:ln>
+        </p:spPr>
+        <p:style>
+          <a:lnRef idx="1">
+            <a:schemeClr val="accent1"/>
+          </a:lnRef>
+          <a:fillRef idx="0">
+            <a:schemeClr val="accent1"/>
+          </a:fillRef>
+          <a:effectRef idx="0">
+            <a:schemeClr val="accent1"/>
+          </a:effectRef>
+          <a:fontRef idx="minor">
+            <a:schemeClr val="tx1"/>
+          </a:fontRef>
+        </p:style>
+      </p:cxnSp>
+    </p:spTree>
+    <p:extLst>
+      <p:ext uri="{BB962C8B-B14F-4D97-AF65-F5344CB8AC3E}">
+        <p14:creationId xmlns:p14="http://schemas.microsoft.com/office/powerpoint/2010/main" val="474554280"/>
       </p:ext>
     </p:extLst>
   </p:cSld>

--- a/20220331 EAD Update.pptx
+++ b/20220331 EAD Update.pptx
@@ -4289,9 +4289,9 @@
         </p:nvGrpSpPr>
         <p:grpSpPr>
           <a:xfrm>
-            <a:off x="1216439" y="1864099"/>
+            <a:off x="1586213" y="3539701"/>
             <a:ext cx="4509787" cy="3271136"/>
-            <a:chOff x="1814513" y="1609195"/>
+            <a:chOff x="1881832" y="1591306"/>
             <a:chExt cx="5017787" cy="3639609"/>
           </a:xfrm>
         </p:grpSpPr>
@@ -4324,7 +4324,7 @@
           </p:blipFill>
           <p:spPr bwMode="auto">
             <a:xfrm>
-              <a:off x="1814513" y="1609195"/>
+              <a:off x="1881832" y="1591306"/>
               <a:ext cx="5017787" cy="3639609"/>
             </a:xfrm>
             <a:prstGeom prst="rect">
@@ -4358,8 +4358,8 @@
           </p:nvCxnSpPr>
           <p:spPr>
             <a:xfrm>
-              <a:off x="3412067" y="2345267"/>
-              <a:ext cx="931333" cy="533400"/>
+              <a:off x="3451799" y="2460013"/>
+              <a:ext cx="1130405" cy="487459"/>
             </a:xfrm>
             <a:prstGeom prst="straightConnector1">
               <a:avLst/>
@@ -4401,8 +4401,8 @@
         </p:nvSpPr>
         <p:spPr>
           <a:xfrm>
-            <a:off x="6096000" y="1744133"/>
-            <a:ext cx="5621866" cy="923330"/>
+            <a:off x="6299201" y="3724226"/>
+            <a:ext cx="5621866" cy="1200329"/>
           </a:xfrm>
           <a:prstGeom prst="rect">
             <a:avLst/>
@@ -4431,6 +4431,13 @@
             </a:pPr>
             <a:endParaRPr lang="en-US" dirty="0"/>
           </a:p>
+          <a:p>
+            <a:pPr marL="285750" indent="-285750">
+              <a:buFont typeface="Arial" panose="020B0604020202020204" pitchFamily="34" charset="0"/>
+              <a:buChar char="•"/>
+            </a:pPr>
+            <a:endParaRPr lang="en-US" dirty="0"/>
+          </a:p>
         </p:txBody>
       </p:sp>
       <p:sp>
@@ -4447,7 +4454,7 @@
         </p:nvSpPr>
         <p:spPr>
           <a:xfrm>
-            <a:off x="660400" y="5305597"/>
+            <a:off x="6299201" y="5233465"/>
             <a:ext cx="5621866" cy="1169551"/>
           </a:xfrm>
           <a:prstGeom prst="rect">
@@ -4484,7 +4491,7 @@
             </a:pPr>
             <a:r>
               <a:rPr lang="en-US" sz="1400" dirty="0"/>
-              <a:t>In the future, if needed, I can go to 8 (1.6 mM)</a:t>
+              <a:t>In the future, if needed, I can go to 8 nm (1.6 mM)</a:t>
             </a:r>
           </a:p>
         </p:txBody>
@@ -4504,9 +4511,9 @@
           <p:nvPr/>
         </p:nvCxnSpPr>
         <p:spPr>
-          <a:xfrm flipV="1">
-            <a:off x="2533723" y="4563533"/>
-            <a:ext cx="955579" cy="753855"/>
+          <a:xfrm flipH="1">
+            <a:off x="4453467" y="5360084"/>
+            <a:ext cx="1845734" cy="536949"/>
           </a:xfrm>
           <a:prstGeom prst="straightConnector1">
             <a:avLst/>
@@ -4533,6 +4540,114 @@
           </a:fontRef>
         </p:style>
       </p:cxnSp>
+      <p:grpSp>
+        <p:nvGrpSpPr>
+          <p:cNvPr id="17" name="Group 16">
+            <a:extLst>
+              <a:ext uri="{FF2B5EF4-FFF2-40B4-BE49-F238E27FC236}">
+                <a16:creationId xmlns:a16="http://schemas.microsoft.com/office/drawing/2014/main" id="{FC1FBEB3-BE52-C760-B45F-5D817833A164}"/>
+              </a:ext>
+            </a:extLst>
+          </p:cNvPr>
+          <p:cNvGrpSpPr/>
+          <p:nvPr/>
+        </p:nvGrpSpPr>
+        <p:grpSpPr>
+          <a:xfrm>
+            <a:off x="2846575" y="1123507"/>
+            <a:ext cx="6905252" cy="2125178"/>
+            <a:chOff x="5202080" y="860343"/>
+            <a:chExt cx="6905252" cy="2125178"/>
+          </a:xfrm>
+        </p:grpSpPr>
+        <p:pic>
+          <p:nvPicPr>
+            <p:cNvPr id="14" name="Picture 2">
+              <a:extLst>
+                <a:ext uri="{FF2B5EF4-FFF2-40B4-BE49-F238E27FC236}">
+                  <a16:creationId xmlns:a16="http://schemas.microsoft.com/office/drawing/2014/main" id="{401BF9EB-1C55-9951-FA2F-C77E4AB5E08B}"/>
+                </a:ext>
+              </a:extLst>
+            </p:cNvPr>
+            <p:cNvPicPr>
+              <a:picLocks noChangeAspect="1" noChangeArrowheads="1"/>
+            </p:cNvPicPr>
+            <p:nvPr/>
+          </p:nvPicPr>
+          <p:blipFill>
+            <a:blip r:embed="rId3">
+              <a:extLst>
+                <a:ext uri="{28A0092B-C50C-407E-A947-70E740481C1C}">
+                  <a14:useLocalDpi xmlns:a14="http://schemas.microsoft.com/office/drawing/2010/main" val="0"/>
+                </a:ext>
+              </a:extLst>
+            </a:blip>
+            <a:srcRect/>
+            <a:stretch>
+              <a:fillRect/>
+            </a:stretch>
+          </p:blipFill>
+          <p:spPr bwMode="auto">
+            <a:xfrm>
+              <a:off x="5202080" y="1230316"/>
+              <a:ext cx="6905252" cy="1755205"/>
+            </a:xfrm>
+            <a:prstGeom prst="rect">
+              <a:avLst/>
+            </a:prstGeom>
+            <a:noFill/>
+            <a:extLst>
+              <a:ext uri="{909E8E84-426E-40DD-AFC4-6F175D3DCCD1}">
+                <a14:hiddenFill xmlns:a14="http://schemas.microsoft.com/office/drawing/2010/main">
+                  <a:solidFill>
+                    <a:srgbClr val="FFFFFF"/>
+                  </a:solidFill>
+                </a14:hiddenFill>
+              </a:ext>
+            </a:extLst>
+          </p:spPr>
+        </p:pic>
+        <p:sp>
+          <p:nvSpPr>
+            <p:cNvPr id="16" name="TextBox 15">
+              <a:extLst>
+                <a:ext uri="{FF2B5EF4-FFF2-40B4-BE49-F238E27FC236}">
+                  <a16:creationId xmlns:a16="http://schemas.microsoft.com/office/drawing/2014/main" id="{1F77B478-E26D-FE32-4466-C295BEDEB0E0}"/>
+                </a:ext>
+              </a:extLst>
+            </p:cNvPr>
+            <p:cNvSpPr txBox="1"/>
+            <p:nvPr/>
+          </p:nvSpPr>
+          <p:spPr>
+            <a:xfrm>
+              <a:off x="7215372" y="860343"/>
+              <a:ext cx="2878667" cy="400110"/>
+            </a:xfrm>
+            <a:prstGeom prst="rect">
+              <a:avLst/>
+            </a:prstGeom>
+            <a:noFill/>
+          </p:spPr>
+          <p:txBody>
+            <a:bodyPr wrap="square" rtlCol="0">
+              <a:spAutoFit/>
+            </a:bodyPr>
+            <a:lstStyle/>
+            <a:p>
+              <a:pPr algn="ctr"/>
+              <a:r>
+                <a:rPr lang="en-US" sz="2000" dirty="0" err="1"/>
+                <a:t>phosph</a:t>
+              </a:r>
+              <a:r>
+                <a:rPr lang="en-US" sz="2000" dirty="0"/>
+                <a:t>. = - 1.5 e</a:t>
+              </a:r>
+            </a:p>
+          </p:txBody>
+        </p:sp>
+      </p:grpSp>
     </p:spTree>
     <p:extLst>
       <p:ext uri="{BB962C8B-B14F-4D97-AF65-F5344CB8AC3E}">

--- a/20220331 EAD Update.pptx
+++ b/20220331 EAD Update.pptx
@@ -8,7 +8,8 @@
     <p:sldId id="256" r:id="rId2"/>
     <p:sldId id="257" r:id="rId3"/>
     <p:sldId id="258" r:id="rId4"/>
-    <p:sldId id="259" r:id="rId5"/>
+    <p:sldId id="260" r:id="rId5"/>
+    <p:sldId id="259" r:id="rId6"/>
   </p:sldIdLst>
   <p:sldSz cx="12192000" cy="6858000"/>
   <p:notesSz cx="6858000" cy="9144000"/>
@@ -3769,7 +3770,7 @@
           </p:blipFill>
           <p:spPr>
             <a:xfrm>
-              <a:off x="5888778" y="4275272"/>
+              <a:off x="5888778" y="4283845"/>
               <a:ext cx="1514686" cy="190527"/>
             </a:xfrm>
             <a:prstGeom prst="rect">
@@ -3979,7 +3980,7 @@
         <p:spPr>
           <a:xfrm>
             <a:off x="3510091" y="5202679"/>
-            <a:ext cx="3379262" cy="1200329"/>
+            <a:ext cx="3379262" cy="1077218"/>
           </a:xfrm>
           <a:prstGeom prst="rect">
             <a:avLst/>
@@ -3993,25 +3994,25 @@
           <a:lstStyle/>
           <a:p>
             <a:r>
-              <a:rPr lang="en-US" dirty="0"/>
+              <a:rPr lang="en-US" sz="1600" dirty="0"/>
               <a:t>b: Kuhn length</a:t>
             </a:r>
           </a:p>
           <a:p>
             <a:r>
-              <a:rPr lang="en-US" dirty="0"/>
+              <a:rPr lang="en-US" sz="1600" dirty="0"/>
               <a:t>v: Monomer volume</a:t>
             </a:r>
           </a:p>
           <a:p>
             <a:r>
-              <a:rPr lang="en-US" dirty="0"/>
+              <a:rPr lang="en-US" sz="1600" dirty="0"/>
               <a:t>c: Flory Huggins parameter for </a:t>
             </a:r>
           </a:p>
           <a:p>
             <a:r>
-              <a:rPr lang="en-US" dirty="0"/>
+              <a:rPr lang="en-US" sz="1600" dirty="0"/>
               <a:t>    most hydrophobic residues</a:t>
             </a:r>
           </a:p>
@@ -4077,7 +4078,7 @@
         </p:nvSpPr>
         <p:spPr>
           <a:xfrm>
-            <a:off x="6017233" y="3237880"/>
+            <a:off x="6061150" y="3179732"/>
             <a:ext cx="1464734" cy="369332"/>
           </a:xfrm>
           <a:prstGeom prst="rect">
@@ -4264,6 +4265,71 @@
         </p:spPr>
         <p:txBody>
           <a:bodyPr>
+            <a:noAutofit/>
+          </a:bodyPr>
+          <a:lstStyle/>
+          <a:p>
+            <a:r>
+              <a:rPr lang="en-US" sz="3600" dirty="0"/>
+              <a:t>New approach—maintain similar NFL and NFH volume</a:t>
+            </a:r>
+          </a:p>
+        </p:txBody>
+      </p:sp>
+    </p:spTree>
+    <p:extLst>
+      <p:ext uri="{BB962C8B-B14F-4D97-AF65-F5344CB8AC3E}">
+        <p14:creationId xmlns:p14="http://schemas.microsoft.com/office/powerpoint/2010/main" val="2849428749"/>
+      </p:ext>
+    </p:extLst>
+  </p:cSld>
+  <p:clrMapOvr>
+    <a:masterClrMapping/>
+  </p:clrMapOvr>
+</p:sld>
+</file>
+
+<file path=ppt/slides/slide5.xml><?xml version="1.0" encoding="utf-8"?>
+<p:sld xmlns:a="http://schemas.openxmlformats.org/drawingml/2006/main" xmlns:r="http://schemas.openxmlformats.org/officeDocument/2006/relationships" xmlns:p="http://schemas.openxmlformats.org/presentationml/2006/main">
+  <p:cSld>
+    <p:spTree>
+      <p:nvGrpSpPr>
+        <p:cNvPr id="1" name=""/>
+        <p:cNvGrpSpPr/>
+        <p:nvPr/>
+      </p:nvGrpSpPr>
+      <p:grpSpPr>
+        <a:xfrm>
+          <a:off x="0" y="0"/>
+          <a:ext cx="0" cy="0"/>
+          <a:chOff x="0" y="0"/>
+          <a:chExt cx="0" cy="0"/>
+        </a:xfrm>
+      </p:grpSpPr>
+      <p:sp>
+        <p:nvSpPr>
+          <p:cNvPr id="3" name="Title 1">
+            <a:extLst>
+              <a:ext uri="{FF2B5EF4-FFF2-40B4-BE49-F238E27FC236}">
+                <a16:creationId xmlns:a16="http://schemas.microsoft.com/office/drawing/2014/main" id="{D21419CD-FE78-82D1-E555-B40688D39463}"/>
+              </a:ext>
+            </a:extLst>
+          </p:cNvPr>
+          <p:cNvSpPr>
+            <a:spLocks noGrp="1"/>
+          </p:cNvSpPr>
+          <p:nvPr>
+            <p:ph type="title"/>
+          </p:nvPr>
+        </p:nvSpPr>
+        <p:spPr>
+          <a:xfrm>
+            <a:off x="392638" y="302621"/>
+            <a:ext cx="10515600" cy="694267"/>
+          </a:xfrm>
+        </p:spPr>
+        <p:txBody>
+          <a:bodyPr>
             <a:normAutofit fontScale="90000"/>
           </a:bodyPr>
           <a:lstStyle/>
@@ -4401,8 +4467,8 @@
         </p:nvSpPr>
         <p:spPr>
           <a:xfrm>
-            <a:off x="6299201" y="3724226"/>
-            <a:ext cx="5621866" cy="1200329"/>
+            <a:off x="6299201" y="3917909"/>
+            <a:ext cx="5621866" cy="646331"/>
           </a:xfrm>
           <a:prstGeom prst="rect">
             <a:avLst/>
@@ -4423,20 +4489,6 @@
               <a:rPr lang="en-US" dirty="0"/>
               <a:t>Currently running one more to get a close fit; if not, the current best one should be close enough</a:t>
             </a:r>
-          </a:p>
-          <a:p>
-            <a:pPr marL="285750" indent="-285750">
-              <a:buFont typeface="Arial" panose="020B0604020202020204" pitchFamily="34" charset="0"/>
-              <a:buChar char="•"/>
-            </a:pPr>
-            <a:endParaRPr lang="en-US" dirty="0"/>
-          </a:p>
-          <a:p>
-            <a:pPr marL="285750" indent="-285750">
-              <a:buFont typeface="Arial" panose="020B0604020202020204" pitchFamily="34" charset="0"/>
-              <a:buChar char="•"/>
-            </a:pPr>
-            <a:endParaRPr lang="en-US" dirty="0"/>
           </a:p>
         </p:txBody>
       </p:sp>
@@ -4554,10 +4606,10 @@
         </p:nvGrpSpPr>
         <p:grpSpPr>
           <a:xfrm>
-            <a:off x="2846575" y="1123507"/>
-            <a:ext cx="6905252" cy="2125178"/>
-            <a:chOff x="5202080" y="860343"/>
-            <a:chExt cx="6905252" cy="2125178"/>
+            <a:off x="2846575" y="1214501"/>
+            <a:ext cx="6905252" cy="2172803"/>
+            <a:chOff x="5202080" y="812718"/>
+            <a:chExt cx="6905252" cy="2172803"/>
           </a:xfrm>
         </p:grpSpPr>
         <p:pic>
@@ -4621,7 +4673,7 @@
           </p:nvSpPr>
           <p:spPr>
             <a:xfrm>
-              <a:off x="7215372" y="860343"/>
+              <a:off x="7215372" y="812718"/>
               <a:ext cx="2878667" cy="400110"/>
             </a:xfrm>
             <a:prstGeom prst="rect">

--- a/20220331 EAD Update.pptx
+++ b/20220331 EAD Update.pptx
@@ -4432,7 +4432,7 @@
             </a:prstGeom>
             <a:ln w="28575">
               <a:solidFill>
-                <a:schemeClr val="tx1"/>
+                <a:srgbClr val="C00000"/>
               </a:solidFill>
               <a:tailEnd type="triangle"/>
             </a:ln>
@@ -4564,8 +4564,8 @@
         </p:nvCxnSpPr>
         <p:spPr>
           <a:xfrm flipH="1">
-            <a:off x="4453467" y="5360084"/>
-            <a:ext cx="1845734" cy="536949"/>
+            <a:off x="4448175" y="5398184"/>
+            <a:ext cx="1812926" cy="621616"/>
           </a:xfrm>
           <a:prstGeom prst="straightConnector1">
             <a:avLst/>

--- a/20220331 EAD Update.pptx
+++ b/20220331 EAD Update.pptx
@@ -3353,31 +3353,6 @@
           </a:p>
         </p:txBody>
       </p:sp>
-      <p:sp>
-        <p:nvSpPr>
-          <p:cNvPr id="3" name="Subtitle 2">
-            <a:extLst>
-              <a:ext uri="{FF2B5EF4-FFF2-40B4-BE49-F238E27FC236}">
-                <a16:creationId xmlns:a16="http://schemas.microsoft.com/office/drawing/2014/main" id="{88727967-76D4-407B-4D6A-3E0626FF60A8}"/>
-              </a:ext>
-            </a:extLst>
-          </p:cNvPr>
-          <p:cNvSpPr>
-            <a:spLocks noGrp="1"/>
-          </p:cNvSpPr>
-          <p:nvPr>
-            <p:ph type="subTitle" idx="1"/>
-          </p:nvPr>
-        </p:nvSpPr>
-        <p:spPr/>
-        <p:txBody>
-          <a:bodyPr/>
-          <a:lstStyle/>
-          <a:p>
-            <a:endParaRPr lang="en-US"/>
-          </a:p>
-        </p:txBody>
-      </p:sp>
     </p:spTree>
     <p:extLst>
       <p:ext uri="{BB962C8B-B14F-4D97-AF65-F5344CB8AC3E}">
@@ -4259,8 +4234,8 @@
         </p:nvSpPr>
         <p:spPr>
           <a:xfrm>
-            <a:off x="392638" y="302621"/>
-            <a:ext cx="10515600" cy="694267"/>
+            <a:off x="392637" y="302621"/>
+            <a:ext cx="11361213" cy="694267"/>
           </a:xfrm>
         </p:spPr>
         <p:txBody>
@@ -4270,7 +4245,7 @@
           <a:lstStyle/>
           <a:p>
             <a:r>
-              <a:rPr lang="en-US" sz="3600" dirty="0"/>
+              <a:rPr lang="en-US" sz="4000" dirty="0"/>
               <a:t>New approach—maintain similar NFL and NFH volume</a:t>
             </a:r>
           </a:p>
